--- a/app_design/icon.pptx
+++ b/app_design/icon.pptx
@@ -107,7 +107,7 @@
   <p:extLst>
     <p:ext uri="{EFAFB233-063F-42B5-8137-9DF3F51BA10A}">
       <p15:sldGuideLst xmlns:p15="http://schemas.microsoft.com/office/powerpoint/2012/main">
-        <p15:guide id="1" orient="horz" pos="2160" userDrawn="1">
+        <p15:guide id="1" orient="horz" pos="2183" userDrawn="1">
           <p15:clr>
             <a:srgbClr val="A4A3A4"/>
           </p15:clr>
@@ -252,7 +252,7 @@
           <a:p>
             <a:fld id="{CEDF911D-30BA-4846-A4D9-9C5D60B11970}" type="datetimeFigureOut">
               <a:rPr lang="ko-KR" altLang="en-US" smtClean="0"/>
-              <a:t>2016-06-04</a:t>
+              <a:t>2016-06-08</a:t>
             </a:fld>
             <a:endParaRPr lang="ko-KR" altLang="en-US"/>
           </a:p>
@@ -420,7 +420,7 @@
           <a:p>
             <a:fld id="{CEDF911D-30BA-4846-A4D9-9C5D60B11970}" type="datetimeFigureOut">
               <a:rPr lang="ko-KR" altLang="en-US" smtClean="0"/>
-              <a:t>2016-06-04</a:t>
+              <a:t>2016-06-08</a:t>
             </a:fld>
             <a:endParaRPr lang="ko-KR" altLang="en-US"/>
           </a:p>
@@ -598,7 +598,7 @@
           <a:p>
             <a:fld id="{CEDF911D-30BA-4846-A4D9-9C5D60B11970}" type="datetimeFigureOut">
               <a:rPr lang="ko-KR" altLang="en-US" smtClean="0"/>
-              <a:t>2016-06-04</a:t>
+              <a:t>2016-06-08</a:t>
             </a:fld>
             <a:endParaRPr lang="ko-KR" altLang="en-US"/>
           </a:p>
@@ -766,7 +766,7 @@
           <a:p>
             <a:fld id="{CEDF911D-30BA-4846-A4D9-9C5D60B11970}" type="datetimeFigureOut">
               <a:rPr lang="ko-KR" altLang="en-US" smtClean="0"/>
-              <a:t>2016-06-04</a:t>
+              <a:t>2016-06-08</a:t>
             </a:fld>
             <a:endParaRPr lang="ko-KR" altLang="en-US"/>
           </a:p>
@@ -1011,7 +1011,7 @@
           <a:p>
             <a:fld id="{CEDF911D-30BA-4846-A4D9-9C5D60B11970}" type="datetimeFigureOut">
               <a:rPr lang="ko-KR" altLang="en-US" smtClean="0"/>
-              <a:t>2016-06-04</a:t>
+              <a:t>2016-06-08</a:t>
             </a:fld>
             <a:endParaRPr lang="ko-KR" altLang="en-US"/>
           </a:p>
@@ -1240,7 +1240,7 @@
           <a:p>
             <a:fld id="{CEDF911D-30BA-4846-A4D9-9C5D60B11970}" type="datetimeFigureOut">
               <a:rPr lang="ko-KR" altLang="en-US" smtClean="0"/>
-              <a:t>2016-06-04</a:t>
+              <a:t>2016-06-08</a:t>
             </a:fld>
             <a:endParaRPr lang="ko-KR" altLang="en-US"/>
           </a:p>
@@ -1604,7 +1604,7 @@
           <a:p>
             <a:fld id="{CEDF911D-30BA-4846-A4D9-9C5D60B11970}" type="datetimeFigureOut">
               <a:rPr lang="ko-KR" altLang="en-US" smtClean="0"/>
-              <a:t>2016-06-04</a:t>
+              <a:t>2016-06-08</a:t>
             </a:fld>
             <a:endParaRPr lang="ko-KR" altLang="en-US"/>
           </a:p>
@@ -1721,7 +1721,7 @@
           <a:p>
             <a:fld id="{CEDF911D-30BA-4846-A4D9-9C5D60B11970}" type="datetimeFigureOut">
               <a:rPr lang="ko-KR" altLang="en-US" smtClean="0"/>
-              <a:t>2016-06-04</a:t>
+              <a:t>2016-06-08</a:t>
             </a:fld>
             <a:endParaRPr lang="ko-KR" altLang="en-US"/>
           </a:p>
@@ -1816,7 +1816,7 @@
           <a:p>
             <a:fld id="{CEDF911D-30BA-4846-A4D9-9C5D60B11970}" type="datetimeFigureOut">
               <a:rPr lang="ko-KR" altLang="en-US" smtClean="0"/>
-              <a:t>2016-06-04</a:t>
+              <a:t>2016-06-08</a:t>
             </a:fld>
             <a:endParaRPr lang="ko-KR" altLang="en-US"/>
           </a:p>
@@ -2091,7 +2091,7 @@
           <a:p>
             <a:fld id="{CEDF911D-30BA-4846-A4D9-9C5D60B11970}" type="datetimeFigureOut">
               <a:rPr lang="ko-KR" altLang="en-US" smtClean="0"/>
-              <a:t>2016-06-04</a:t>
+              <a:t>2016-06-08</a:t>
             </a:fld>
             <a:endParaRPr lang="ko-KR" altLang="en-US"/>
           </a:p>
@@ -2343,7 +2343,7 @@
           <a:p>
             <a:fld id="{CEDF911D-30BA-4846-A4D9-9C5D60B11970}" type="datetimeFigureOut">
               <a:rPr lang="ko-KR" altLang="en-US" smtClean="0"/>
-              <a:t>2016-06-04</a:t>
+              <a:t>2016-06-08</a:t>
             </a:fld>
             <a:endParaRPr lang="ko-KR" altLang="en-US"/>
           </a:p>
@@ -2554,7 +2554,7 @@
           <a:p>
             <a:fld id="{CEDF911D-30BA-4846-A4D9-9C5D60B11970}" type="datetimeFigureOut">
               <a:rPr lang="ko-KR" altLang="en-US" smtClean="0"/>
-              <a:t>2016-06-04</a:t>
+              <a:t>2016-06-08</a:t>
             </a:fld>
             <a:endParaRPr lang="ko-KR" altLang="en-US"/>
           </a:p>
@@ -2967,17 +2967,14 @@
         </p:nvSpPr>
         <p:spPr>
           <a:xfrm>
-            <a:off x="1494692" y="606669"/>
-            <a:ext cx="2092570" cy="2329962"/>
+            <a:off x="1321595" y="1084217"/>
+            <a:ext cx="2265666" cy="1852414"/>
           </a:xfrm>
           <a:prstGeom prst="rect">
             <a:avLst/>
           </a:prstGeom>
           <a:solidFill>
-            <a:schemeClr val="accent1">
-              <a:lumMod val="40000"/>
-              <a:lumOff val="60000"/>
-            </a:schemeClr>
+            <a:srgbClr val="BDD7EE"/>
           </a:solidFill>
           <a:ln>
             <a:noFill/>
@@ -3008,446 +3005,461 @@
           </a:p>
         </p:txBody>
       </p:sp>
-      <p:sp>
-        <p:nvSpPr>
-          <p:cNvPr id="14" name="자유형 13"/>
-          <p:cNvSpPr/>
+      <p:grpSp>
+        <p:nvGrpSpPr>
+          <p:cNvPr id="45" name="그룹 44"/>
+          <p:cNvGrpSpPr/>
           <p:nvPr/>
-        </p:nvSpPr>
-        <p:spPr>
-          <a:xfrm rot="19276437">
-            <a:off x="2850005" y="1820257"/>
-            <a:ext cx="352690" cy="329487"/>
+        </p:nvGrpSpPr>
+        <p:grpSpPr>
+          <a:xfrm>
+            <a:off x="2677147" y="1748637"/>
+            <a:ext cx="800697" cy="1018246"/>
+            <a:chOff x="2559965" y="1599615"/>
+            <a:chExt cx="917880" cy="1167268"/>
           </a:xfrm>
-          <a:custGeom>
-            <a:avLst/>
-            <a:gdLst>
-              <a:gd name="connsiteX0" fmla="*/ 215005 w 668215"/>
-              <a:gd name="connsiteY0" fmla="*/ 0 h 624254"/>
-              <a:gd name="connsiteX1" fmla="*/ 668215 w 668215"/>
-              <a:gd name="connsiteY1" fmla="*/ 0 h 624254"/>
-              <a:gd name="connsiteX2" fmla="*/ 668215 w 668215"/>
-              <a:gd name="connsiteY2" fmla="*/ 624254 h 624254"/>
-              <a:gd name="connsiteX3" fmla="*/ 215005 w 668215"/>
-              <a:gd name="connsiteY3" fmla="*/ 624254 h 624254"/>
-              <a:gd name="connsiteX4" fmla="*/ 0 w 668215"/>
-              <a:gd name="connsiteY4" fmla="*/ 312127 h 624254"/>
-              <a:gd name="connsiteX5" fmla="*/ 215005 w 668215"/>
-              <a:gd name="connsiteY5" fmla="*/ 0 h 624254"/>
-            </a:gdLst>
-            <a:ahLst/>
-            <a:cxnLst>
-              <a:cxn ang="0">
-                <a:pos x="connsiteX0" y="connsiteY0"/>
-              </a:cxn>
-              <a:cxn ang="0">
-                <a:pos x="connsiteX1" y="connsiteY1"/>
-              </a:cxn>
-              <a:cxn ang="0">
-                <a:pos x="connsiteX2" y="connsiteY2"/>
-              </a:cxn>
-              <a:cxn ang="0">
-                <a:pos x="connsiteX3" y="connsiteY3"/>
-              </a:cxn>
-              <a:cxn ang="0">
-                <a:pos x="connsiteX4" y="connsiteY4"/>
-              </a:cxn>
-              <a:cxn ang="0">
-                <a:pos x="connsiteX5" y="connsiteY5"/>
-              </a:cxn>
-            </a:cxnLst>
-            <a:rect l="l" t="t" r="r" b="b"/>
-            <a:pathLst>
-              <a:path w="668215" h="624254">
-                <a:moveTo>
-                  <a:pt x="215005" y="0"/>
-                </a:moveTo>
-                <a:lnTo>
-                  <a:pt x="668215" y="0"/>
-                </a:lnTo>
-                <a:lnTo>
-                  <a:pt x="668215" y="624254"/>
-                </a:lnTo>
-                <a:lnTo>
-                  <a:pt x="215005" y="624254"/>
-                </a:lnTo>
-                <a:cubicBezTo>
-                  <a:pt x="96273" y="624254"/>
-                  <a:pt x="0" y="484520"/>
-                  <a:pt x="0" y="312127"/>
-                </a:cubicBezTo>
-                <a:cubicBezTo>
-                  <a:pt x="0" y="139735"/>
-                  <a:pt x="96273" y="0"/>
-                  <a:pt x="215005" y="0"/>
-                </a:cubicBezTo>
-                <a:close/>
-              </a:path>
-            </a:pathLst>
-          </a:custGeom>
-          <a:solidFill>
-            <a:schemeClr val="bg1"/>
-          </a:solidFill>
-          <a:ln>
-            <a:noFill/>
-          </a:ln>
-        </p:spPr>
-        <p:style>
-          <a:lnRef idx="2">
-            <a:schemeClr val="accent1">
-              <a:shade val="50000"/>
-            </a:schemeClr>
-          </a:lnRef>
-          <a:fillRef idx="1">
-            <a:schemeClr val="accent1"/>
-          </a:fillRef>
-          <a:effectRef idx="0">
-            <a:schemeClr val="accent1"/>
-          </a:effectRef>
-          <a:fontRef idx="minor">
-            <a:schemeClr val="lt1"/>
-          </a:fontRef>
-        </p:style>
-        <p:txBody>
-          <a:bodyPr rtlCol="0" anchor="ctr"/>
-          <a:lstStyle/>
-          <a:p>
-            <a:pPr algn="ctr"/>
-            <a:endParaRPr lang="ko-KR" altLang="en-US"/>
-          </a:p>
-        </p:txBody>
-      </p:sp>
-      <p:sp>
-        <p:nvSpPr>
-          <p:cNvPr id="15" name="자유형 14"/>
-          <p:cNvSpPr/>
-          <p:nvPr/>
-        </p:nvSpPr>
-        <p:spPr>
-          <a:xfrm rot="19276437" flipH="1">
-            <a:off x="3125155" y="1599615"/>
-            <a:ext cx="352690" cy="329487"/>
-          </a:xfrm>
-          <a:custGeom>
-            <a:avLst/>
-            <a:gdLst>
-              <a:gd name="connsiteX0" fmla="*/ 215005 w 668215"/>
-              <a:gd name="connsiteY0" fmla="*/ 0 h 624254"/>
-              <a:gd name="connsiteX1" fmla="*/ 668215 w 668215"/>
-              <a:gd name="connsiteY1" fmla="*/ 0 h 624254"/>
-              <a:gd name="connsiteX2" fmla="*/ 668215 w 668215"/>
-              <a:gd name="connsiteY2" fmla="*/ 624254 h 624254"/>
-              <a:gd name="connsiteX3" fmla="*/ 215005 w 668215"/>
-              <a:gd name="connsiteY3" fmla="*/ 624254 h 624254"/>
-              <a:gd name="connsiteX4" fmla="*/ 0 w 668215"/>
-              <a:gd name="connsiteY4" fmla="*/ 312127 h 624254"/>
-              <a:gd name="connsiteX5" fmla="*/ 215005 w 668215"/>
-              <a:gd name="connsiteY5" fmla="*/ 0 h 624254"/>
-            </a:gdLst>
-            <a:ahLst/>
-            <a:cxnLst>
-              <a:cxn ang="0">
-                <a:pos x="connsiteX0" y="connsiteY0"/>
-              </a:cxn>
-              <a:cxn ang="0">
-                <a:pos x="connsiteX1" y="connsiteY1"/>
-              </a:cxn>
-              <a:cxn ang="0">
-                <a:pos x="connsiteX2" y="connsiteY2"/>
-              </a:cxn>
-              <a:cxn ang="0">
-                <a:pos x="connsiteX3" y="connsiteY3"/>
-              </a:cxn>
-              <a:cxn ang="0">
-                <a:pos x="connsiteX4" y="connsiteY4"/>
-              </a:cxn>
-              <a:cxn ang="0">
-                <a:pos x="connsiteX5" y="connsiteY5"/>
-              </a:cxn>
-            </a:cxnLst>
-            <a:rect l="l" t="t" r="r" b="b"/>
-            <a:pathLst>
-              <a:path w="668215" h="624254">
-                <a:moveTo>
-                  <a:pt x="215005" y="0"/>
-                </a:moveTo>
-                <a:lnTo>
-                  <a:pt x="668215" y="0"/>
-                </a:lnTo>
-                <a:lnTo>
-                  <a:pt x="668215" y="624254"/>
-                </a:lnTo>
-                <a:lnTo>
-                  <a:pt x="215005" y="624254"/>
-                </a:lnTo>
-                <a:cubicBezTo>
-                  <a:pt x="96273" y="624254"/>
-                  <a:pt x="0" y="484520"/>
-                  <a:pt x="0" y="312127"/>
-                </a:cubicBezTo>
-                <a:cubicBezTo>
-                  <a:pt x="0" y="139735"/>
-                  <a:pt x="96273" y="0"/>
-                  <a:pt x="215005" y="0"/>
-                </a:cubicBezTo>
-                <a:close/>
-              </a:path>
-            </a:pathLst>
-          </a:custGeom>
-          <a:solidFill>
-            <a:srgbClr val="00B0F0">
-              <a:alpha val="56000"/>
-            </a:srgbClr>
-          </a:solidFill>
-          <a:ln>
-            <a:noFill/>
-          </a:ln>
-        </p:spPr>
-        <p:style>
-          <a:lnRef idx="2">
-            <a:schemeClr val="accent1">
-              <a:shade val="50000"/>
-            </a:schemeClr>
-          </a:lnRef>
-          <a:fillRef idx="1">
-            <a:schemeClr val="accent1"/>
-          </a:fillRef>
-          <a:effectRef idx="0">
-            <a:schemeClr val="accent1"/>
-          </a:effectRef>
-          <a:fontRef idx="minor">
-            <a:schemeClr val="lt1"/>
-          </a:fontRef>
-        </p:style>
-        <p:txBody>
-          <a:bodyPr rtlCol="0" anchor="ctr"/>
-          <a:lstStyle/>
-          <a:p>
-            <a:pPr algn="ctr"/>
-            <a:endParaRPr lang="ko-KR" altLang="en-US" dirty="0"/>
-          </a:p>
-        </p:txBody>
-      </p:sp>
-      <p:sp>
-        <p:nvSpPr>
-          <p:cNvPr id="10" name="자유형 9"/>
-          <p:cNvSpPr/>
-          <p:nvPr/>
-        </p:nvSpPr>
-        <p:spPr>
-          <a:xfrm rot="20843219">
-            <a:off x="2559965" y="2335655"/>
-            <a:ext cx="461596" cy="431228"/>
-          </a:xfrm>
-          <a:custGeom>
-            <a:avLst/>
-            <a:gdLst>
-              <a:gd name="connsiteX0" fmla="*/ 215005 w 668215"/>
-              <a:gd name="connsiteY0" fmla="*/ 0 h 624254"/>
-              <a:gd name="connsiteX1" fmla="*/ 668215 w 668215"/>
-              <a:gd name="connsiteY1" fmla="*/ 0 h 624254"/>
-              <a:gd name="connsiteX2" fmla="*/ 668215 w 668215"/>
-              <a:gd name="connsiteY2" fmla="*/ 624254 h 624254"/>
-              <a:gd name="connsiteX3" fmla="*/ 215005 w 668215"/>
-              <a:gd name="connsiteY3" fmla="*/ 624254 h 624254"/>
-              <a:gd name="connsiteX4" fmla="*/ 0 w 668215"/>
-              <a:gd name="connsiteY4" fmla="*/ 312127 h 624254"/>
-              <a:gd name="connsiteX5" fmla="*/ 215005 w 668215"/>
-              <a:gd name="connsiteY5" fmla="*/ 0 h 624254"/>
-            </a:gdLst>
-            <a:ahLst/>
-            <a:cxnLst>
-              <a:cxn ang="0">
-                <a:pos x="connsiteX0" y="connsiteY0"/>
-              </a:cxn>
-              <a:cxn ang="0">
-                <a:pos x="connsiteX1" y="connsiteY1"/>
-              </a:cxn>
-              <a:cxn ang="0">
-                <a:pos x="connsiteX2" y="connsiteY2"/>
-              </a:cxn>
-              <a:cxn ang="0">
-                <a:pos x="connsiteX3" y="connsiteY3"/>
-              </a:cxn>
-              <a:cxn ang="0">
-                <a:pos x="connsiteX4" y="connsiteY4"/>
-              </a:cxn>
-              <a:cxn ang="0">
-                <a:pos x="connsiteX5" y="connsiteY5"/>
-              </a:cxn>
-            </a:cxnLst>
-            <a:rect l="l" t="t" r="r" b="b"/>
-            <a:pathLst>
-              <a:path w="668215" h="624254">
-                <a:moveTo>
-                  <a:pt x="215005" y="0"/>
-                </a:moveTo>
-                <a:lnTo>
-                  <a:pt x="668215" y="0"/>
-                </a:lnTo>
-                <a:lnTo>
-                  <a:pt x="668215" y="624254"/>
-                </a:lnTo>
-                <a:lnTo>
-                  <a:pt x="215005" y="624254"/>
-                </a:lnTo>
-                <a:cubicBezTo>
-                  <a:pt x="96273" y="624254"/>
-                  <a:pt x="0" y="484520"/>
-                  <a:pt x="0" y="312127"/>
-                </a:cubicBezTo>
-                <a:cubicBezTo>
-                  <a:pt x="0" y="139735"/>
-                  <a:pt x="96273" y="0"/>
-                  <a:pt x="215005" y="0"/>
-                </a:cubicBezTo>
-                <a:close/>
-              </a:path>
-            </a:pathLst>
-          </a:custGeom>
-          <a:solidFill>
-            <a:schemeClr val="bg1"/>
-          </a:solidFill>
-          <a:ln>
-            <a:noFill/>
-          </a:ln>
-        </p:spPr>
-        <p:style>
-          <a:lnRef idx="2">
-            <a:schemeClr val="accent1">
-              <a:shade val="50000"/>
-            </a:schemeClr>
-          </a:lnRef>
-          <a:fillRef idx="1">
-            <a:schemeClr val="accent1"/>
-          </a:fillRef>
-          <a:effectRef idx="0">
-            <a:schemeClr val="accent1"/>
-          </a:effectRef>
-          <a:fontRef idx="minor">
-            <a:schemeClr val="lt1"/>
-          </a:fontRef>
-        </p:style>
-        <p:txBody>
-          <a:bodyPr rtlCol="0" anchor="ctr"/>
-          <a:lstStyle/>
-          <a:p>
-            <a:pPr algn="ctr"/>
-            <a:endParaRPr lang="ko-KR" altLang="en-US"/>
-          </a:p>
-        </p:txBody>
-      </p:sp>
-      <p:sp>
-        <p:nvSpPr>
-          <p:cNvPr id="11" name="자유형 10"/>
-          <p:cNvSpPr/>
-          <p:nvPr/>
-        </p:nvSpPr>
-        <p:spPr>
-          <a:xfrm rot="20843219" flipH="1">
-            <a:off x="3010421" y="2234859"/>
-            <a:ext cx="461596" cy="431228"/>
-          </a:xfrm>
-          <a:custGeom>
-            <a:avLst/>
-            <a:gdLst>
-              <a:gd name="connsiteX0" fmla="*/ 215005 w 668215"/>
-              <a:gd name="connsiteY0" fmla="*/ 0 h 624254"/>
-              <a:gd name="connsiteX1" fmla="*/ 668215 w 668215"/>
-              <a:gd name="connsiteY1" fmla="*/ 0 h 624254"/>
-              <a:gd name="connsiteX2" fmla="*/ 668215 w 668215"/>
-              <a:gd name="connsiteY2" fmla="*/ 624254 h 624254"/>
-              <a:gd name="connsiteX3" fmla="*/ 215005 w 668215"/>
-              <a:gd name="connsiteY3" fmla="*/ 624254 h 624254"/>
-              <a:gd name="connsiteX4" fmla="*/ 0 w 668215"/>
-              <a:gd name="connsiteY4" fmla="*/ 312127 h 624254"/>
-              <a:gd name="connsiteX5" fmla="*/ 215005 w 668215"/>
-              <a:gd name="connsiteY5" fmla="*/ 0 h 624254"/>
-            </a:gdLst>
-            <a:ahLst/>
-            <a:cxnLst>
-              <a:cxn ang="0">
-                <a:pos x="connsiteX0" y="connsiteY0"/>
-              </a:cxn>
-              <a:cxn ang="0">
-                <a:pos x="connsiteX1" y="connsiteY1"/>
-              </a:cxn>
-              <a:cxn ang="0">
-                <a:pos x="connsiteX2" y="connsiteY2"/>
-              </a:cxn>
-              <a:cxn ang="0">
-                <a:pos x="connsiteX3" y="connsiteY3"/>
-              </a:cxn>
-              <a:cxn ang="0">
-                <a:pos x="connsiteX4" y="connsiteY4"/>
-              </a:cxn>
-              <a:cxn ang="0">
-                <a:pos x="connsiteX5" y="connsiteY5"/>
-              </a:cxn>
-            </a:cxnLst>
-            <a:rect l="l" t="t" r="r" b="b"/>
-            <a:pathLst>
-              <a:path w="668215" h="624254">
-                <a:moveTo>
-                  <a:pt x="215005" y="0"/>
-                </a:moveTo>
-                <a:lnTo>
-                  <a:pt x="668215" y="0"/>
-                </a:lnTo>
-                <a:lnTo>
-                  <a:pt x="668215" y="624254"/>
-                </a:lnTo>
-                <a:lnTo>
-                  <a:pt x="215005" y="624254"/>
-                </a:lnTo>
-                <a:cubicBezTo>
-                  <a:pt x="96273" y="624254"/>
-                  <a:pt x="0" y="484520"/>
-                  <a:pt x="0" y="312127"/>
-                </a:cubicBezTo>
-                <a:cubicBezTo>
-                  <a:pt x="0" y="139735"/>
-                  <a:pt x="96273" y="0"/>
-                  <a:pt x="215005" y="0"/>
-                </a:cubicBezTo>
-                <a:close/>
-              </a:path>
-            </a:pathLst>
-          </a:custGeom>
-          <a:solidFill>
-            <a:srgbClr val="002060">
-              <a:alpha val="71000"/>
-            </a:srgbClr>
-          </a:solidFill>
-          <a:ln>
-            <a:noFill/>
-          </a:ln>
-        </p:spPr>
-        <p:style>
-          <a:lnRef idx="2">
-            <a:schemeClr val="accent1">
-              <a:shade val="50000"/>
-            </a:schemeClr>
-          </a:lnRef>
-          <a:fillRef idx="1">
-            <a:schemeClr val="accent1"/>
-          </a:fillRef>
-          <a:effectRef idx="0">
-            <a:schemeClr val="accent1"/>
-          </a:effectRef>
-          <a:fontRef idx="minor">
-            <a:schemeClr val="lt1"/>
-          </a:fontRef>
-        </p:style>
-        <p:txBody>
-          <a:bodyPr rtlCol="0" anchor="ctr"/>
-          <a:lstStyle/>
-          <a:p>
-            <a:pPr algn="ctr"/>
-            <a:endParaRPr lang="ko-KR" altLang="en-US" dirty="0"/>
-          </a:p>
-        </p:txBody>
-      </p:sp>
+        </p:grpSpPr>
+        <p:sp>
+          <p:nvSpPr>
+            <p:cNvPr id="14" name="자유형 13"/>
+            <p:cNvSpPr/>
+            <p:nvPr/>
+          </p:nvSpPr>
+          <p:spPr>
+            <a:xfrm rot="19276437">
+              <a:off x="2850005" y="1820257"/>
+              <a:ext cx="352690" cy="329487"/>
+            </a:xfrm>
+            <a:custGeom>
+              <a:avLst/>
+              <a:gdLst>
+                <a:gd name="connsiteX0" fmla="*/ 215005 w 668215"/>
+                <a:gd name="connsiteY0" fmla="*/ 0 h 624254"/>
+                <a:gd name="connsiteX1" fmla="*/ 668215 w 668215"/>
+                <a:gd name="connsiteY1" fmla="*/ 0 h 624254"/>
+                <a:gd name="connsiteX2" fmla="*/ 668215 w 668215"/>
+                <a:gd name="connsiteY2" fmla="*/ 624254 h 624254"/>
+                <a:gd name="connsiteX3" fmla="*/ 215005 w 668215"/>
+                <a:gd name="connsiteY3" fmla="*/ 624254 h 624254"/>
+                <a:gd name="connsiteX4" fmla="*/ 0 w 668215"/>
+                <a:gd name="connsiteY4" fmla="*/ 312127 h 624254"/>
+                <a:gd name="connsiteX5" fmla="*/ 215005 w 668215"/>
+                <a:gd name="connsiteY5" fmla="*/ 0 h 624254"/>
+              </a:gdLst>
+              <a:ahLst/>
+              <a:cxnLst>
+                <a:cxn ang="0">
+                  <a:pos x="connsiteX0" y="connsiteY0"/>
+                </a:cxn>
+                <a:cxn ang="0">
+                  <a:pos x="connsiteX1" y="connsiteY1"/>
+                </a:cxn>
+                <a:cxn ang="0">
+                  <a:pos x="connsiteX2" y="connsiteY2"/>
+                </a:cxn>
+                <a:cxn ang="0">
+                  <a:pos x="connsiteX3" y="connsiteY3"/>
+                </a:cxn>
+                <a:cxn ang="0">
+                  <a:pos x="connsiteX4" y="connsiteY4"/>
+                </a:cxn>
+                <a:cxn ang="0">
+                  <a:pos x="connsiteX5" y="connsiteY5"/>
+                </a:cxn>
+              </a:cxnLst>
+              <a:rect l="l" t="t" r="r" b="b"/>
+              <a:pathLst>
+                <a:path w="668215" h="624254">
+                  <a:moveTo>
+                    <a:pt x="215005" y="0"/>
+                  </a:moveTo>
+                  <a:lnTo>
+                    <a:pt x="668215" y="0"/>
+                  </a:lnTo>
+                  <a:lnTo>
+                    <a:pt x="668215" y="624254"/>
+                  </a:lnTo>
+                  <a:lnTo>
+                    <a:pt x="215005" y="624254"/>
+                  </a:lnTo>
+                  <a:cubicBezTo>
+                    <a:pt x="96273" y="624254"/>
+                    <a:pt x="0" y="484520"/>
+                    <a:pt x="0" y="312127"/>
+                  </a:cubicBezTo>
+                  <a:cubicBezTo>
+                    <a:pt x="0" y="139735"/>
+                    <a:pt x="96273" y="0"/>
+                    <a:pt x="215005" y="0"/>
+                  </a:cubicBezTo>
+                  <a:close/>
+                </a:path>
+              </a:pathLst>
+            </a:custGeom>
+            <a:solidFill>
+              <a:schemeClr val="bg1"/>
+            </a:solidFill>
+            <a:ln>
+              <a:noFill/>
+            </a:ln>
+          </p:spPr>
+          <p:style>
+            <a:lnRef idx="2">
+              <a:schemeClr val="accent1">
+                <a:shade val="50000"/>
+              </a:schemeClr>
+            </a:lnRef>
+            <a:fillRef idx="1">
+              <a:schemeClr val="accent1"/>
+            </a:fillRef>
+            <a:effectRef idx="0">
+              <a:schemeClr val="accent1"/>
+            </a:effectRef>
+            <a:fontRef idx="minor">
+              <a:schemeClr val="lt1"/>
+            </a:fontRef>
+          </p:style>
+          <p:txBody>
+            <a:bodyPr rtlCol="0" anchor="ctr"/>
+            <a:lstStyle/>
+            <a:p>
+              <a:pPr algn="ctr"/>
+              <a:endParaRPr lang="ko-KR" altLang="en-US"/>
+            </a:p>
+          </p:txBody>
+        </p:sp>
+        <p:sp>
+          <p:nvSpPr>
+            <p:cNvPr id="15" name="자유형 14"/>
+            <p:cNvSpPr/>
+            <p:nvPr/>
+          </p:nvSpPr>
+          <p:spPr>
+            <a:xfrm rot="19276437" flipH="1">
+              <a:off x="3125155" y="1599615"/>
+              <a:ext cx="352690" cy="329487"/>
+            </a:xfrm>
+            <a:custGeom>
+              <a:avLst/>
+              <a:gdLst>
+                <a:gd name="connsiteX0" fmla="*/ 215005 w 668215"/>
+                <a:gd name="connsiteY0" fmla="*/ 0 h 624254"/>
+                <a:gd name="connsiteX1" fmla="*/ 668215 w 668215"/>
+                <a:gd name="connsiteY1" fmla="*/ 0 h 624254"/>
+                <a:gd name="connsiteX2" fmla="*/ 668215 w 668215"/>
+                <a:gd name="connsiteY2" fmla="*/ 624254 h 624254"/>
+                <a:gd name="connsiteX3" fmla="*/ 215005 w 668215"/>
+                <a:gd name="connsiteY3" fmla="*/ 624254 h 624254"/>
+                <a:gd name="connsiteX4" fmla="*/ 0 w 668215"/>
+                <a:gd name="connsiteY4" fmla="*/ 312127 h 624254"/>
+                <a:gd name="connsiteX5" fmla="*/ 215005 w 668215"/>
+                <a:gd name="connsiteY5" fmla="*/ 0 h 624254"/>
+              </a:gdLst>
+              <a:ahLst/>
+              <a:cxnLst>
+                <a:cxn ang="0">
+                  <a:pos x="connsiteX0" y="connsiteY0"/>
+                </a:cxn>
+                <a:cxn ang="0">
+                  <a:pos x="connsiteX1" y="connsiteY1"/>
+                </a:cxn>
+                <a:cxn ang="0">
+                  <a:pos x="connsiteX2" y="connsiteY2"/>
+                </a:cxn>
+                <a:cxn ang="0">
+                  <a:pos x="connsiteX3" y="connsiteY3"/>
+                </a:cxn>
+                <a:cxn ang="0">
+                  <a:pos x="connsiteX4" y="connsiteY4"/>
+                </a:cxn>
+                <a:cxn ang="0">
+                  <a:pos x="connsiteX5" y="connsiteY5"/>
+                </a:cxn>
+              </a:cxnLst>
+              <a:rect l="l" t="t" r="r" b="b"/>
+              <a:pathLst>
+                <a:path w="668215" h="624254">
+                  <a:moveTo>
+                    <a:pt x="215005" y="0"/>
+                  </a:moveTo>
+                  <a:lnTo>
+                    <a:pt x="668215" y="0"/>
+                  </a:lnTo>
+                  <a:lnTo>
+                    <a:pt x="668215" y="624254"/>
+                  </a:lnTo>
+                  <a:lnTo>
+                    <a:pt x="215005" y="624254"/>
+                  </a:lnTo>
+                  <a:cubicBezTo>
+                    <a:pt x="96273" y="624254"/>
+                    <a:pt x="0" y="484520"/>
+                    <a:pt x="0" y="312127"/>
+                  </a:cubicBezTo>
+                  <a:cubicBezTo>
+                    <a:pt x="0" y="139735"/>
+                    <a:pt x="96273" y="0"/>
+                    <a:pt x="215005" y="0"/>
+                  </a:cubicBezTo>
+                  <a:close/>
+                </a:path>
+              </a:pathLst>
+            </a:custGeom>
+            <a:solidFill>
+              <a:srgbClr val="00B0F0">
+                <a:alpha val="56000"/>
+              </a:srgbClr>
+            </a:solidFill>
+            <a:ln>
+              <a:noFill/>
+            </a:ln>
+          </p:spPr>
+          <p:style>
+            <a:lnRef idx="2">
+              <a:schemeClr val="accent1">
+                <a:shade val="50000"/>
+              </a:schemeClr>
+            </a:lnRef>
+            <a:fillRef idx="1">
+              <a:schemeClr val="accent1"/>
+            </a:fillRef>
+            <a:effectRef idx="0">
+              <a:schemeClr val="accent1"/>
+            </a:effectRef>
+            <a:fontRef idx="minor">
+              <a:schemeClr val="lt1"/>
+            </a:fontRef>
+          </p:style>
+          <p:txBody>
+            <a:bodyPr rtlCol="0" anchor="ctr"/>
+            <a:lstStyle/>
+            <a:p>
+              <a:pPr algn="ctr"/>
+              <a:endParaRPr lang="ko-KR" altLang="en-US" dirty="0"/>
+            </a:p>
+          </p:txBody>
+        </p:sp>
+        <p:sp>
+          <p:nvSpPr>
+            <p:cNvPr id="10" name="자유형 9"/>
+            <p:cNvSpPr/>
+            <p:nvPr/>
+          </p:nvSpPr>
+          <p:spPr>
+            <a:xfrm rot="20843219">
+              <a:off x="2559965" y="2335655"/>
+              <a:ext cx="461596" cy="431228"/>
+            </a:xfrm>
+            <a:custGeom>
+              <a:avLst/>
+              <a:gdLst>
+                <a:gd name="connsiteX0" fmla="*/ 215005 w 668215"/>
+                <a:gd name="connsiteY0" fmla="*/ 0 h 624254"/>
+                <a:gd name="connsiteX1" fmla="*/ 668215 w 668215"/>
+                <a:gd name="connsiteY1" fmla="*/ 0 h 624254"/>
+                <a:gd name="connsiteX2" fmla="*/ 668215 w 668215"/>
+                <a:gd name="connsiteY2" fmla="*/ 624254 h 624254"/>
+                <a:gd name="connsiteX3" fmla="*/ 215005 w 668215"/>
+                <a:gd name="connsiteY3" fmla="*/ 624254 h 624254"/>
+                <a:gd name="connsiteX4" fmla="*/ 0 w 668215"/>
+                <a:gd name="connsiteY4" fmla="*/ 312127 h 624254"/>
+                <a:gd name="connsiteX5" fmla="*/ 215005 w 668215"/>
+                <a:gd name="connsiteY5" fmla="*/ 0 h 624254"/>
+              </a:gdLst>
+              <a:ahLst/>
+              <a:cxnLst>
+                <a:cxn ang="0">
+                  <a:pos x="connsiteX0" y="connsiteY0"/>
+                </a:cxn>
+                <a:cxn ang="0">
+                  <a:pos x="connsiteX1" y="connsiteY1"/>
+                </a:cxn>
+                <a:cxn ang="0">
+                  <a:pos x="connsiteX2" y="connsiteY2"/>
+                </a:cxn>
+                <a:cxn ang="0">
+                  <a:pos x="connsiteX3" y="connsiteY3"/>
+                </a:cxn>
+                <a:cxn ang="0">
+                  <a:pos x="connsiteX4" y="connsiteY4"/>
+                </a:cxn>
+                <a:cxn ang="0">
+                  <a:pos x="connsiteX5" y="connsiteY5"/>
+                </a:cxn>
+              </a:cxnLst>
+              <a:rect l="l" t="t" r="r" b="b"/>
+              <a:pathLst>
+                <a:path w="668215" h="624254">
+                  <a:moveTo>
+                    <a:pt x="215005" y="0"/>
+                  </a:moveTo>
+                  <a:lnTo>
+                    <a:pt x="668215" y="0"/>
+                  </a:lnTo>
+                  <a:lnTo>
+                    <a:pt x="668215" y="624254"/>
+                  </a:lnTo>
+                  <a:lnTo>
+                    <a:pt x="215005" y="624254"/>
+                  </a:lnTo>
+                  <a:cubicBezTo>
+                    <a:pt x="96273" y="624254"/>
+                    <a:pt x="0" y="484520"/>
+                    <a:pt x="0" y="312127"/>
+                  </a:cubicBezTo>
+                  <a:cubicBezTo>
+                    <a:pt x="0" y="139735"/>
+                    <a:pt x="96273" y="0"/>
+                    <a:pt x="215005" y="0"/>
+                  </a:cubicBezTo>
+                  <a:close/>
+                </a:path>
+              </a:pathLst>
+            </a:custGeom>
+            <a:solidFill>
+              <a:schemeClr val="bg1"/>
+            </a:solidFill>
+            <a:ln>
+              <a:noFill/>
+            </a:ln>
+          </p:spPr>
+          <p:style>
+            <a:lnRef idx="2">
+              <a:schemeClr val="accent1">
+                <a:shade val="50000"/>
+              </a:schemeClr>
+            </a:lnRef>
+            <a:fillRef idx="1">
+              <a:schemeClr val="accent1"/>
+            </a:fillRef>
+            <a:effectRef idx="0">
+              <a:schemeClr val="accent1"/>
+            </a:effectRef>
+            <a:fontRef idx="minor">
+              <a:schemeClr val="lt1"/>
+            </a:fontRef>
+          </p:style>
+          <p:txBody>
+            <a:bodyPr rtlCol="0" anchor="ctr"/>
+            <a:lstStyle/>
+            <a:p>
+              <a:pPr algn="ctr"/>
+              <a:endParaRPr lang="ko-KR" altLang="en-US"/>
+            </a:p>
+          </p:txBody>
+        </p:sp>
+        <p:sp>
+          <p:nvSpPr>
+            <p:cNvPr id="11" name="자유형 10"/>
+            <p:cNvSpPr/>
+            <p:nvPr/>
+          </p:nvSpPr>
+          <p:spPr>
+            <a:xfrm rot="20843219" flipH="1">
+              <a:off x="3010421" y="2234859"/>
+              <a:ext cx="461596" cy="431228"/>
+            </a:xfrm>
+            <a:custGeom>
+              <a:avLst/>
+              <a:gdLst>
+                <a:gd name="connsiteX0" fmla="*/ 215005 w 668215"/>
+                <a:gd name="connsiteY0" fmla="*/ 0 h 624254"/>
+                <a:gd name="connsiteX1" fmla="*/ 668215 w 668215"/>
+                <a:gd name="connsiteY1" fmla="*/ 0 h 624254"/>
+                <a:gd name="connsiteX2" fmla="*/ 668215 w 668215"/>
+                <a:gd name="connsiteY2" fmla="*/ 624254 h 624254"/>
+                <a:gd name="connsiteX3" fmla="*/ 215005 w 668215"/>
+                <a:gd name="connsiteY3" fmla="*/ 624254 h 624254"/>
+                <a:gd name="connsiteX4" fmla="*/ 0 w 668215"/>
+                <a:gd name="connsiteY4" fmla="*/ 312127 h 624254"/>
+                <a:gd name="connsiteX5" fmla="*/ 215005 w 668215"/>
+                <a:gd name="connsiteY5" fmla="*/ 0 h 624254"/>
+              </a:gdLst>
+              <a:ahLst/>
+              <a:cxnLst>
+                <a:cxn ang="0">
+                  <a:pos x="connsiteX0" y="connsiteY0"/>
+                </a:cxn>
+                <a:cxn ang="0">
+                  <a:pos x="connsiteX1" y="connsiteY1"/>
+                </a:cxn>
+                <a:cxn ang="0">
+                  <a:pos x="connsiteX2" y="connsiteY2"/>
+                </a:cxn>
+                <a:cxn ang="0">
+                  <a:pos x="connsiteX3" y="connsiteY3"/>
+                </a:cxn>
+                <a:cxn ang="0">
+                  <a:pos x="connsiteX4" y="connsiteY4"/>
+                </a:cxn>
+                <a:cxn ang="0">
+                  <a:pos x="connsiteX5" y="connsiteY5"/>
+                </a:cxn>
+              </a:cxnLst>
+              <a:rect l="l" t="t" r="r" b="b"/>
+              <a:pathLst>
+                <a:path w="668215" h="624254">
+                  <a:moveTo>
+                    <a:pt x="215005" y="0"/>
+                  </a:moveTo>
+                  <a:lnTo>
+                    <a:pt x="668215" y="0"/>
+                  </a:lnTo>
+                  <a:lnTo>
+                    <a:pt x="668215" y="624254"/>
+                  </a:lnTo>
+                  <a:lnTo>
+                    <a:pt x="215005" y="624254"/>
+                  </a:lnTo>
+                  <a:cubicBezTo>
+                    <a:pt x="96273" y="624254"/>
+                    <a:pt x="0" y="484520"/>
+                    <a:pt x="0" y="312127"/>
+                  </a:cubicBezTo>
+                  <a:cubicBezTo>
+                    <a:pt x="0" y="139735"/>
+                    <a:pt x="96273" y="0"/>
+                    <a:pt x="215005" y="0"/>
+                  </a:cubicBezTo>
+                  <a:close/>
+                </a:path>
+              </a:pathLst>
+            </a:custGeom>
+            <a:solidFill>
+              <a:srgbClr val="002060">
+                <a:alpha val="71000"/>
+              </a:srgbClr>
+            </a:solidFill>
+            <a:ln>
+              <a:noFill/>
+            </a:ln>
+          </p:spPr>
+          <p:style>
+            <a:lnRef idx="2">
+              <a:schemeClr val="accent1">
+                <a:shade val="50000"/>
+              </a:schemeClr>
+            </a:lnRef>
+            <a:fillRef idx="1">
+              <a:schemeClr val="accent1"/>
+            </a:fillRef>
+            <a:effectRef idx="0">
+              <a:schemeClr val="accent1"/>
+            </a:effectRef>
+            <a:fontRef idx="minor">
+              <a:schemeClr val="lt1"/>
+            </a:fontRef>
+          </p:style>
+          <p:txBody>
+            <a:bodyPr rtlCol="0" anchor="ctr"/>
+            <a:lstStyle/>
+            <a:p>
+              <a:pPr algn="ctr"/>
+              <a:endParaRPr lang="ko-KR" altLang="en-US" dirty="0"/>
+            </a:p>
+          </p:txBody>
+        </p:sp>
+      </p:grpSp>
       <p:sp>
         <p:nvSpPr>
           <p:cNvPr id="16" name="직사각형 15"/>
@@ -3740,17 +3752,17 @@
         </p:nvSpPr>
         <p:spPr>
           <a:xfrm>
-            <a:off x="3847319" y="2849261"/>
-            <a:ext cx="2474350" cy="2755053"/>
+            <a:off x="739156" y="-3409755"/>
+            <a:ext cx="2646684" cy="2755053"/>
           </a:xfrm>
           <a:prstGeom prst="rect">
             <a:avLst/>
           </a:prstGeom>
-          <a:solidFill>
-            <a:srgbClr val="00B0F0"/>
-          </a:solidFill>
-          <a:ln>
-            <a:noFill/>
+          <a:noFill/>
+          <a:ln w="76200">
+            <a:solidFill>
+              <a:srgbClr val="BDD7EE"/>
+            </a:solidFill>
           </a:ln>
         </p:spPr>
         <p:style>
@@ -5070,7 +5082,7 @@
             <a:avLst/>
           </a:prstGeom>
           <a:solidFill>
-            <a:srgbClr val="002060"/>
+            <a:srgbClr val="BDD7EE"/>
           </a:solidFill>
           <a:ln>
             <a:noFill/>
@@ -5524,10 +5536,10 @@
         </p:nvGrpSpPr>
         <p:grpSpPr>
           <a:xfrm>
-            <a:off x="5225074" y="4265950"/>
-            <a:ext cx="1013458" cy="1212506"/>
-            <a:chOff x="4106816" y="4244253"/>
-            <a:chExt cx="1013458" cy="1212506"/>
+            <a:off x="9461654" y="-4577616"/>
+            <a:ext cx="3463308" cy="4154400"/>
+            <a:chOff x="4106816" y="4244249"/>
+            <a:chExt cx="1013459" cy="1212504"/>
           </a:xfrm>
         </p:grpSpPr>
         <p:sp>
@@ -5538,8 +5550,8 @@
           </p:nvSpPr>
           <p:spPr>
             <a:xfrm>
-              <a:off x="4106816" y="4244253"/>
-              <a:ext cx="832573" cy="1046371"/>
+              <a:off x="4106816" y="4244249"/>
+              <a:ext cx="832573" cy="1046370"/>
             </a:xfrm>
             <a:prstGeom prst="roundRect">
               <a:avLst>
@@ -5586,8 +5598,8 @@
           </p:nvSpPr>
           <p:spPr>
             <a:xfrm>
-              <a:off x="4651157" y="4927822"/>
-              <a:ext cx="469117" cy="528937"/>
+              <a:off x="4651158" y="4927817"/>
+              <a:ext cx="469117" cy="528936"/>
             </a:xfrm>
             <a:prstGeom prst="rect">
               <a:avLst/>
@@ -5632,7 +5644,7 @@
           </p:nvGrpSpPr>
           <p:grpSpPr>
             <a:xfrm>
-              <a:off x="4733739" y="5025974"/>
+              <a:off x="4733740" y="5025969"/>
               <a:ext cx="325522" cy="325522"/>
               <a:chOff x="4755781" y="5029529"/>
               <a:chExt cx="325522" cy="325522"/>
@@ -5739,7 +5751,7 @@
           </p:nvSpPr>
           <p:spPr>
             <a:xfrm rot="16200000">
-              <a:off x="4475090" y="4141067"/>
+              <a:off x="4475091" y="4141062"/>
               <a:ext cx="81907" cy="576737"/>
             </a:xfrm>
             <a:prstGeom prst="rect">
@@ -5785,7 +5797,7 @@
           </p:nvSpPr>
           <p:spPr>
             <a:xfrm rot="16200000">
-              <a:off x="4475090" y="4285161"/>
+              <a:off x="4475091" y="4285158"/>
               <a:ext cx="81907" cy="576737"/>
             </a:xfrm>
             <a:prstGeom prst="rect">
@@ -5831,7 +5843,7 @@
           </p:nvSpPr>
           <p:spPr>
             <a:xfrm rot="16200000">
-              <a:off x="4475090" y="4422441"/>
+              <a:off x="4475090" y="4422439"/>
               <a:ext cx="81907" cy="576737"/>
             </a:xfrm>
             <a:prstGeom prst="rect">
@@ -5877,7 +5889,7 @@
           </p:nvSpPr>
           <p:spPr>
             <a:xfrm rot="16200000">
-              <a:off x="4475090" y="4566535"/>
+              <a:off x="4475091" y="4566535"/>
               <a:ext cx="81907" cy="576737"/>
             </a:xfrm>
             <a:prstGeom prst="rect">
@@ -6099,6 +6111,788 @@
               </a:rPr>
               <a:t>처방전 제출</a:t>
             </a:r>
+          </a:p>
+        </p:txBody>
+      </p:sp>
+      <p:sp>
+        <p:nvSpPr>
+          <p:cNvPr id="60" name="직사각형 59"/>
+          <p:cNvSpPr/>
+          <p:nvPr/>
+        </p:nvSpPr>
+        <p:spPr>
+          <a:xfrm>
+            <a:off x="1321595" y="5410834"/>
+            <a:ext cx="1867331" cy="1867331"/>
+          </a:xfrm>
+          <a:prstGeom prst="rect">
+            <a:avLst/>
+          </a:prstGeom>
+          <a:solidFill>
+            <a:srgbClr val="BDD7EE"/>
+          </a:solidFill>
+          <a:ln>
+            <a:noFill/>
+          </a:ln>
+        </p:spPr>
+        <p:style>
+          <a:lnRef idx="2">
+            <a:schemeClr val="accent1">
+              <a:shade val="50000"/>
+            </a:schemeClr>
+          </a:lnRef>
+          <a:fillRef idx="1">
+            <a:schemeClr val="accent1"/>
+          </a:fillRef>
+          <a:effectRef idx="0">
+            <a:schemeClr val="accent1"/>
+          </a:effectRef>
+          <a:fontRef idx="minor">
+            <a:schemeClr val="lt1"/>
+          </a:fontRef>
+        </p:style>
+        <p:txBody>
+          <a:bodyPr rtlCol="0" anchor="ctr"/>
+          <a:lstStyle/>
+          <a:p>
+            <a:pPr algn="ctr"/>
+            <a:endParaRPr lang="ko-KR" altLang="en-US"/>
+          </a:p>
+        </p:txBody>
+      </p:sp>
+      <p:sp>
+        <p:nvSpPr>
+          <p:cNvPr id="13" name="현 12"/>
+          <p:cNvSpPr/>
+          <p:nvPr/>
+        </p:nvSpPr>
+        <p:spPr>
+          <a:xfrm rot="17522138">
+            <a:off x="1563492" y="5722452"/>
+            <a:ext cx="1328437" cy="1328437"/>
+          </a:xfrm>
+          <a:prstGeom prst="chord">
+            <a:avLst/>
+          </a:prstGeom>
+          <a:solidFill>
+            <a:schemeClr val="bg1"/>
+          </a:solidFill>
+          <a:ln>
+            <a:solidFill>
+              <a:schemeClr val="bg1"/>
+            </a:solidFill>
+          </a:ln>
+        </p:spPr>
+        <p:style>
+          <a:lnRef idx="2">
+            <a:schemeClr val="accent1">
+              <a:shade val="50000"/>
+            </a:schemeClr>
+          </a:lnRef>
+          <a:fillRef idx="1">
+            <a:schemeClr val="accent1"/>
+          </a:fillRef>
+          <a:effectRef idx="0">
+            <a:schemeClr val="accent1"/>
+          </a:effectRef>
+          <a:fontRef idx="minor">
+            <a:schemeClr val="lt1"/>
+          </a:fontRef>
+        </p:style>
+        <p:txBody>
+          <a:bodyPr rtlCol="0" anchor="ctr"/>
+          <a:lstStyle/>
+          <a:p>
+            <a:pPr algn="ctr"/>
+            <a:endParaRPr lang="ko-KR" altLang="en-US"/>
+          </a:p>
+        </p:txBody>
+      </p:sp>
+      <p:sp>
+        <p:nvSpPr>
+          <p:cNvPr id="44" name="순서도: 수행의 시작/종료 43"/>
+          <p:cNvSpPr/>
+          <p:nvPr/>
+        </p:nvSpPr>
+        <p:spPr>
+          <a:xfrm rot="7570579">
+            <a:off x="1880575" y="5850750"/>
+            <a:ext cx="1188191" cy="342145"/>
+          </a:xfrm>
+          <a:prstGeom prst="flowChartTerminator">
+            <a:avLst/>
+          </a:prstGeom>
+          <a:solidFill>
+            <a:schemeClr val="bg1"/>
+          </a:solidFill>
+          <a:ln>
+            <a:solidFill>
+              <a:schemeClr val="bg1"/>
+            </a:solidFill>
+          </a:ln>
+        </p:spPr>
+        <p:style>
+          <a:lnRef idx="2">
+            <a:schemeClr val="accent1">
+              <a:shade val="50000"/>
+            </a:schemeClr>
+          </a:lnRef>
+          <a:fillRef idx="1">
+            <a:schemeClr val="accent1"/>
+          </a:fillRef>
+          <a:effectRef idx="0">
+            <a:schemeClr val="accent1"/>
+          </a:effectRef>
+          <a:fontRef idx="minor">
+            <a:schemeClr val="lt1"/>
+          </a:fontRef>
+        </p:style>
+        <p:txBody>
+          <a:bodyPr rtlCol="0" anchor="ctr"/>
+          <a:lstStyle/>
+          <a:p>
+            <a:pPr algn="ctr"/>
+            <a:endParaRPr lang="ko-KR" altLang="en-US"/>
+          </a:p>
+        </p:txBody>
+      </p:sp>
+      <p:grpSp>
+        <p:nvGrpSpPr>
+          <p:cNvPr id="46" name="그룹 45"/>
+          <p:cNvGrpSpPr/>
+          <p:nvPr/>
+        </p:nvGrpSpPr>
+        <p:grpSpPr>
+          <a:xfrm>
+            <a:off x="1881131" y="6225132"/>
+            <a:ext cx="693158" cy="693158"/>
+            <a:chOff x="1205917" y="5386154"/>
+            <a:chExt cx="1776046" cy="1776046"/>
+          </a:xfrm>
+          <a:solidFill>
+            <a:srgbClr val="BDD7EE"/>
+          </a:solidFill>
+        </p:grpSpPr>
+        <p:sp>
+          <p:nvSpPr>
+            <p:cNvPr id="61" name="직사각형 60"/>
+            <p:cNvSpPr/>
+            <p:nvPr/>
+          </p:nvSpPr>
+          <p:spPr>
+            <a:xfrm>
+              <a:off x="1891407" y="5386154"/>
+              <a:ext cx="405064" cy="1776046"/>
+            </a:xfrm>
+            <a:prstGeom prst="rect">
+              <a:avLst/>
+            </a:prstGeom>
+            <a:grpFill/>
+            <a:ln>
+              <a:noFill/>
+            </a:ln>
+          </p:spPr>
+          <p:style>
+            <a:lnRef idx="2">
+              <a:schemeClr val="accent1">
+                <a:shade val="50000"/>
+              </a:schemeClr>
+            </a:lnRef>
+            <a:fillRef idx="1">
+              <a:schemeClr val="accent1"/>
+            </a:fillRef>
+            <a:effectRef idx="0">
+              <a:schemeClr val="accent1"/>
+            </a:effectRef>
+            <a:fontRef idx="minor">
+              <a:schemeClr val="lt1"/>
+            </a:fontRef>
+          </p:style>
+          <p:txBody>
+            <a:bodyPr rtlCol="0" anchor="ctr"/>
+            <a:lstStyle/>
+            <a:p>
+              <a:pPr algn="ctr"/>
+              <a:endParaRPr lang="ko-KR" altLang="en-US"/>
+            </a:p>
+          </p:txBody>
+        </p:sp>
+        <p:sp>
+          <p:nvSpPr>
+            <p:cNvPr id="62" name="직사각형 61"/>
+            <p:cNvSpPr/>
+            <p:nvPr/>
+          </p:nvSpPr>
+          <p:spPr>
+            <a:xfrm rot="16200000">
+              <a:off x="1891408" y="5386153"/>
+              <a:ext cx="405064" cy="1776046"/>
+            </a:xfrm>
+            <a:prstGeom prst="rect">
+              <a:avLst/>
+            </a:prstGeom>
+            <a:grpFill/>
+            <a:ln>
+              <a:noFill/>
+            </a:ln>
+          </p:spPr>
+          <p:style>
+            <a:lnRef idx="2">
+              <a:schemeClr val="accent1">
+                <a:shade val="50000"/>
+              </a:schemeClr>
+            </a:lnRef>
+            <a:fillRef idx="1">
+              <a:schemeClr val="accent1"/>
+            </a:fillRef>
+            <a:effectRef idx="0">
+              <a:schemeClr val="accent1"/>
+            </a:effectRef>
+            <a:fontRef idx="minor">
+              <a:schemeClr val="lt1"/>
+            </a:fontRef>
+          </p:style>
+          <p:txBody>
+            <a:bodyPr rtlCol="0" anchor="ctr"/>
+            <a:lstStyle/>
+            <a:p>
+              <a:pPr algn="ctr"/>
+              <a:endParaRPr lang="ko-KR" altLang="en-US"/>
+            </a:p>
+          </p:txBody>
+        </p:sp>
+      </p:grpSp>
+      <p:sp>
+        <p:nvSpPr>
+          <p:cNvPr id="63" name="직사각형 62"/>
+          <p:cNvSpPr/>
+          <p:nvPr/>
+        </p:nvSpPr>
+        <p:spPr>
+          <a:xfrm>
+            <a:off x="-2394189" y="-2149056"/>
+            <a:ext cx="1867331" cy="1867331"/>
+          </a:xfrm>
+          <a:prstGeom prst="rect">
+            <a:avLst/>
+          </a:prstGeom>
+          <a:solidFill>
+            <a:srgbClr val="002060"/>
+          </a:solidFill>
+          <a:ln>
+            <a:noFill/>
+          </a:ln>
+        </p:spPr>
+        <p:style>
+          <a:lnRef idx="2">
+            <a:schemeClr val="accent1">
+              <a:shade val="50000"/>
+            </a:schemeClr>
+          </a:lnRef>
+          <a:fillRef idx="1">
+            <a:schemeClr val="accent1"/>
+          </a:fillRef>
+          <a:effectRef idx="0">
+            <a:schemeClr val="accent1"/>
+          </a:effectRef>
+          <a:fontRef idx="minor">
+            <a:schemeClr val="lt1"/>
+          </a:fontRef>
+        </p:style>
+        <p:txBody>
+          <a:bodyPr rtlCol="0" anchor="ctr"/>
+          <a:lstStyle/>
+          <a:p>
+            <a:pPr algn="ctr"/>
+            <a:endParaRPr lang="ko-KR" altLang="en-US"/>
+          </a:p>
+        </p:txBody>
+      </p:sp>
+      <p:sp>
+        <p:nvSpPr>
+          <p:cNvPr id="48" name="하트 47"/>
+          <p:cNvSpPr/>
+          <p:nvPr/>
+        </p:nvSpPr>
+        <p:spPr>
+          <a:xfrm>
+            <a:off x="-2161564" y="-1916431"/>
+            <a:ext cx="1402080" cy="1402080"/>
+          </a:xfrm>
+          <a:prstGeom prst="heart">
+            <a:avLst/>
+          </a:prstGeom>
+          <a:solidFill>
+            <a:schemeClr val="bg1"/>
+          </a:solidFill>
+          <a:ln>
+            <a:solidFill>
+              <a:schemeClr val="bg1"/>
+            </a:solidFill>
+          </a:ln>
+        </p:spPr>
+        <p:style>
+          <a:lnRef idx="2">
+            <a:schemeClr val="accent1">
+              <a:shade val="50000"/>
+            </a:schemeClr>
+          </a:lnRef>
+          <a:fillRef idx="1">
+            <a:schemeClr val="accent1"/>
+          </a:fillRef>
+          <a:effectRef idx="0">
+            <a:schemeClr val="accent1"/>
+          </a:effectRef>
+          <a:fontRef idx="minor">
+            <a:schemeClr val="lt1"/>
+          </a:fontRef>
+        </p:style>
+        <p:txBody>
+          <a:bodyPr rtlCol="0" anchor="ctr"/>
+          <a:lstStyle/>
+          <a:p>
+            <a:pPr algn="ctr"/>
+            <a:endParaRPr lang="ko-KR" altLang="en-US"/>
+          </a:p>
+        </p:txBody>
+      </p:sp>
+      <p:sp>
+        <p:nvSpPr>
+          <p:cNvPr id="68" name="자유형 67"/>
+          <p:cNvSpPr/>
+          <p:nvPr/>
+        </p:nvSpPr>
+        <p:spPr>
+          <a:xfrm rot="19276437">
+            <a:off x="2558245" y="-1779553"/>
+            <a:ext cx="352690" cy="329487"/>
+          </a:xfrm>
+          <a:custGeom>
+            <a:avLst/>
+            <a:gdLst>
+              <a:gd name="connsiteX0" fmla="*/ 215005 w 668215"/>
+              <a:gd name="connsiteY0" fmla="*/ 0 h 624254"/>
+              <a:gd name="connsiteX1" fmla="*/ 668215 w 668215"/>
+              <a:gd name="connsiteY1" fmla="*/ 0 h 624254"/>
+              <a:gd name="connsiteX2" fmla="*/ 668215 w 668215"/>
+              <a:gd name="connsiteY2" fmla="*/ 624254 h 624254"/>
+              <a:gd name="connsiteX3" fmla="*/ 215005 w 668215"/>
+              <a:gd name="connsiteY3" fmla="*/ 624254 h 624254"/>
+              <a:gd name="connsiteX4" fmla="*/ 0 w 668215"/>
+              <a:gd name="connsiteY4" fmla="*/ 312127 h 624254"/>
+              <a:gd name="connsiteX5" fmla="*/ 215005 w 668215"/>
+              <a:gd name="connsiteY5" fmla="*/ 0 h 624254"/>
+            </a:gdLst>
+            <a:ahLst/>
+            <a:cxnLst>
+              <a:cxn ang="0">
+                <a:pos x="connsiteX0" y="connsiteY0"/>
+              </a:cxn>
+              <a:cxn ang="0">
+                <a:pos x="connsiteX1" y="connsiteY1"/>
+              </a:cxn>
+              <a:cxn ang="0">
+                <a:pos x="connsiteX2" y="connsiteY2"/>
+              </a:cxn>
+              <a:cxn ang="0">
+                <a:pos x="connsiteX3" y="connsiteY3"/>
+              </a:cxn>
+              <a:cxn ang="0">
+                <a:pos x="connsiteX4" y="connsiteY4"/>
+              </a:cxn>
+              <a:cxn ang="0">
+                <a:pos x="connsiteX5" y="connsiteY5"/>
+              </a:cxn>
+            </a:cxnLst>
+            <a:rect l="l" t="t" r="r" b="b"/>
+            <a:pathLst>
+              <a:path w="668215" h="624254">
+                <a:moveTo>
+                  <a:pt x="215005" y="0"/>
+                </a:moveTo>
+                <a:lnTo>
+                  <a:pt x="668215" y="0"/>
+                </a:lnTo>
+                <a:lnTo>
+                  <a:pt x="668215" y="624254"/>
+                </a:lnTo>
+                <a:lnTo>
+                  <a:pt x="215005" y="624254"/>
+                </a:lnTo>
+                <a:cubicBezTo>
+                  <a:pt x="96273" y="624254"/>
+                  <a:pt x="0" y="484520"/>
+                  <a:pt x="0" y="312127"/>
+                </a:cubicBezTo>
+                <a:cubicBezTo>
+                  <a:pt x="0" y="139735"/>
+                  <a:pt x="96273" y="0"/>
+                  <a:pt x="215005" y="0"/>
+                </a:cubicBezTo>
+                <a:close/>
+              </a:path>
+            </a:pathLst>
+          </a:custGeom>
+          <a:solidFill>
+            <a:schemeClr val="bg1"/>
+          </a:solidFill>
+          <a:ln>
+            <a:noFill/>
+          </a:ln>
+        </p:spPr>
+        <p:style>
+          <a:lnRef idx="2">
+            <a:schemeClr val="accent1">
+              <a:shade val="50000"/>
+            </a:schemeClr>
+          </a:lnRef>
+          <a:fillRef idx="1">
+            <a:schemeClr val="accent1"/>
+          </a:fillRef>
+          <a:effectRef idx="0">
+            <a:schemeClr val="accent1"/>
+          </a:effectRef>
+          <a:fontRef idx="minor">
+            <a:schemeClr val="lt1"/>
+          </a:fontRef>
+        </p:style>
+        <p:txBody>
+          <a:bodyPr rtlCol="0" anchor="ctr"/>
+          <a:lstStyle/>
+          <a:p>
+            <a:pPr algn="ctr"/>
+            <a:endParaRPr lang="ko-KR" altLang="en-US"/>
+          </a:p>
+        </p:txBody>
+      </p:sp>
+      <p:sp>
+        <p:nvSpPr>
+          <p:cNvPr id="69" name="자유형 68"/>
+          <p:cNvSpPr/>
+          <p:nvPr/>
+        </p:nvSpPr>
+        <p:spPr>
+          <a:xfrm rot="19276437" flipH="1">
+            <a:off x="2833395" y="-2000195"/>
+            <a:ext cx="352690" cy="329487"/>
+          </a:xfrm>
+          <a:custGeom>
+            <a:avLst/>
+            <a:gdLst>
+              <a:gd name="connsiteX0" fmla="*/ 215005 w 668215"/>
+              <a:gd name="connsiteY0" fmla="*/ 0 h 624254"/>
+              <a:gd name="connsiteX1" fmla="*/ 668215 w 668215"/>
+              <a:gd name="connsiteY1" fmla="*/ 0 h 624254"/>
+              <a:gd name="connsiteX2" fmla="*/ 668215 w 668215"/>
+              <a:gd name="connsiteY2" fmla="*/ 624254 h 624254"/>
+              <a:gd name="connsiteX3" fmla="*/ 215005 w 668215"/>
+              <a:gd name="connsiteY3" fmla="*/ 624254 h 624254"/>
+              <a:gd name="connsiteX4" fmla="*/ 0 w 668215"/>
+              <a:gd name="connsiteY4" fmla="*/ 312127 h 624254"/>
+              <a:gd name="connsiteX5" fmla="*/ 215005 w 668215"/>
+              <a:gd name="connsiteY5" fmla="*/ 0 h 624254"/>
+            </a:gdLst>
+            <a:ahLst/>
+            <a:cxnLst>
+              <a:cxn ang="0">
+                <a:pos x="connsiteX0" y="connsiteY0"/>
+              </a:cxn>
+              <a:cxn ang="0">
+                <a:pos x="connsiteX1" y="connsiteY1"/>
+              </a:cxn>
+              <a:cxn ang="0">
+                <a:pos x="connsiteX2" y="connsiteY2"/>
+              </a:cxn>
+              <a:cxn ang="0">
+                <a:pos x="connsiteX3" y="connsiteY3"/>
+              </a:cxn>
+              <a:cxn ang="0">
+                <a:pos x="connsiteX4" y="connsiteY4"/>
+              </a:cxn>
+              <a:cxn ang="0">
+                <a:pos x="connsiteX5" y="connsiteY5"/>
+              </a:cxn>
+            </a:cxnLst>
+            <a:rect l="l" t="t" r="r" b="b"/>
+            <a:pathLst>
+              <a:path w="668215" h="624254">
+                <a:moveTo>
+                  <a:pt x="215005" y="0"/>
+                </a:moveTo>
+                <a:lnTo>
+                  <a:pt x="668215" y="0"/>
+                </a:lnTo>
+                <a:lnTo>
+                  <a:pt x="668215" y="624254"/>
+                </a:lnTo>
+                <a:lnTo>
+                  <a:pt x="215005" y="624254"/>
+                </a:lnTo>
+                <a:cubicBezTo>
+                  <a:pt x="96273" y="624254"/>
+                  <a:pt x="0" y="484520"/>
+                  <a:pt x="0" y="312127"/>
+                </a:cubicBezTo>
+                <a:cubicBezTo>
+                  <a:pt x="0" y="139735"/>
+                  <a:pt x="96273" y="0"/>
+                  <a:pt x="215005" y="0"/>
+                </a:cubicBezTo>
+                <a:close/>
+              </a:path>
+            </a:pathLst>
+          </a:custGeom>
+          <a:solidFill>
+            <a:srgbClr val="00B0F0">
+              <a:alpha val="56000"/>
+            </a:srgbClr>
+          </a:solidFill>
+          <a:ln>
+            <a:noFill/>
+          </a:ln>
+        </p:spPr>
+        <p:style>
+          <a:lnRef idx="2">
+            <a:schemeClr val="accent1">
+              <a:shade val="50000"/>
+            </a:schemeClr>
+          </a:lnRef>
+          <a:fillRef idx="1">
+            <a:schemeClr val="accent1"/>
+          </a:fillRef>
+          <a:effectRef idx="0">
+            <a:schemeClr val="accent1"/>
+          </a:effectRef>
+          <a:fontRef idx="minor">
+            <a:schemeClr val="lt1"/>
+          </a:fontRef>
+        </p:style>
+        <p:txBody>
+          <a:bodyPr rtlCol="0" anchor="ctr"/>
+          <a:lstStyle/>
+          <a:p>
+            <a:pPr algn="ctr"/>
+            <a:endParaRPr lang="ko-KR" altLang="en-US" dirty="0"/>
+          </a:p>
+        </p:txBody>
+      </p:sp>
+      <p:sp>
+        <p:nvSpPr>
+          <p:cNvPr id="70" name="자유형 69"/>
+          <p:cNvSpPr/>
+          <p:nvPr/>
+        </p:nvSpPr>
+        <p:spPr>
+          <a:xfrm rot="20843219">
+            <a:off x="2268205" y="-1264155"/>
+            <a:ext cx="461596" cy="431228"/>
+          </a:xfrm>
+          <a:custGeom>
+            <a:avLst/>
+            <a:gdLst>
+              <a:gd name="connsiteX0" fmla="*/ 215005 w 668215"/>
+              <a:gd name="connsiteY0" fmla="*/ 0 h 624254"/>
+              <a:gd name="connsiteX1" fmla="*/ 668215 w 668215"/>
+              <a:gd name="connsiteY1" fmla="*/ 0 h 624254"/>
+              <a:gd name="connsiteX2" fmla="*/ 668215 w 668215"/>
+              <a:gd name="connsiteY2" fmla="*/ 624254 h 624254"/>
+              <a:gd name="connsiteX3" fmla="*/ 215005 w 668215"/>
+              <a:gd name="connsiteY3" fmla="*/ 624254 h 624254"/>
+              <a:gd name="connsiteX4" fmla="*/ 0 w 668215"/>
+              <a:gd name="connsiteY4" fmla="*/ 312127 h 624254"/>
+              <a:gd name="connsiteX5" fmla="*/ 215005 w 668215"/>
+              <a:gd name="connsiteY5" fmla="*/ 0 h 624254"/>
+            </a:gdLst>
+            <a:ahLst/>
+            <a:cxnLst>
+              <a:cxn ang="0">
+                <a:pos x="connsiteX0" y="connsiteY0"/>
+              </a:cxn>
+              <a:cxn ang="0">
+                <a:pos x="connsiteX1" y="connsiteY1"/>
+              </a:cxn>
+              <a:cxn ang="0">
+                <a:pos x="connsiteX2" y="connsiteY2"/>
+              </a:cxn>
+              <a:cxn ang="0">
+                <a:pos x="connsiteX3" y="connsiteY3"/>
+              </a:cxn>
+              <a:cxn ang="0">
+                <a:pos x="connsiteX4" y="connsiteY4"/>
+              </a:cxn>
+              <a:cxn ang="0">
+                <a:pos x="connsiteX5" y="connsiteY5"/>
+              </a:cxn>
+            </a:cxnLst>
+            <a:rect l="l" t="t" r="r" b="b"/>
+            <a:pathLst>
+              <a:path w="668215" h="624254">
+                <a:moveTo>
+                  <a:pt x="215005" y="0"/>
+                </a:moveTo>
+                <a:lnTo>
+                  <a:pt x="668215" y="0"/>
+                </a:lnTo>
+                <a:lnTo>
+                  <a:pt x="668215" y="624254"/>
+                </a:lnTo>
+                <a:lnTo>
+                  <a:pt x="215005" y="624254"/>
+                </a:lnTo>
+                <a:cubicBezTo>
+                  <a:pt x="96273" y="624254"/>
+                  <a:pt x="0" y="484520"/>
+                  <a:pt x="0" y="312127"/>
+                </a:cubicBezTo>
+                <a:cubicBezTo>
+                  <a:pt x="0" y="139735"/>
+                  <a:pt x="96273" y="0"/>
+                  <a:pt x="215005" y="0"/>
+                </a:cubicBezTo>
+                <a:close/>
+              </a:path>
+            </a:pathLst>
+          </a:custGeom>
+          <a:solidFill>
+            <a:schemeClr val="bg1"/>
+          </a:solidFill>
+          <a:ln>
+            <a:noFill/>
+          </a:ln>
+        </p:spPr>
+        <p:style>
+          <a:lnRef idx="2">
+            <a:schemeClr val="accent1">
+              <a:shade val="50000"/>
+            </a:schemeClr>
+          </a:lnRef>
+          <a:fillRef idx="1">
+            <a:schemeClr val="accent1"/>
+          </a:fillRef>
+          <a:effectRef idx="0">
+            <a:schemeClr val="accent1"/>
+          </a:effectRef>
+          <a:fontRef idx="minor">
+            <a:schemeClr val="lt1"/>
+          </a:fontRef>
+        </p:style>
+        <p:txBody>
+          <a:bodyPr rtlCol="0" anchor="ctr"/>
+          <a:lstStyle/>
+          <a:p>
+            <a:pPr algn="ctr"/>
+            <a:endParaRPr lang="ko-KR" altLang="en-US"/>
+          </a:p>
+        </p:txBody>
+      </p:sp>
+      <p:sp>
+        <p:nvSpPr>
+          <p:cNvPr id="71" name="자유형 70"/>
+          <p:cNvSpPr/>
+          <p:nvPr/>
+        </p:nvSpPr>
+        <p:spPr>
+          <a:xfrm rot="20843219" flipH="1">
+            <a:off x="2718661" y="-1364951"/>
+            <a:ext cx="461596" cy="431228"/>
+          </a:xfrm>
+          <a:custGeom>
+            <a:avLst/>
+            <a:gdLst>
+              <a:gd name="connsiteX0" fmla="*/ 215005 w 668215"/>
+              <a:gd name="connsiteY0" fmla="*/ 0 h 624254"/>
+              <a:gd name="connsiteX1" fmla="*/ 668215 w 668215"/>
+              <a:gd name="connsiteY1" fmla="*/ 0 h 624254"/>
+              <a:gd name="connsiteX2" fmla="*/ 668215 w 668215"/>
+              <a:gd name="connsiteY2" fmla="*/ 624254 h 624254"/>
+              <a:gd name="connsiteX3" fmla="*/ 215005 w 668215"/>
+              <a:gd name="connsiteY3" fmla="*/ 624254 h 624254"/>
+              <a:gd name="connsiteX4" fmla="*/ 0 w 668215"/>
+              <a:gd name="connsiteY4" fmla="*/ 312127 h 624254"/>
+              <a:gd name="connsiteX5" fmla="*/ 215005 w 668215"/>
+              <a:gd name="connsiteY5" fmla="*/ 0 h 624254"/>
+            </a:gdLst>
+            <a:ahLst/>
+            <a:cxnLst>
+              <a:cxn ang="0">
+                <a:pos x="connsiteX0" y="connsiteY0"/>
+              </a:cxn>
+              <a:cxn ang="0">
+                <a:pos x="connsiteX1" y="connsiteY1"/>
+              </a:cxn>
+              <a:cxn ang="0">
+                <a:pos x="connsiteX2" y="connsiteY2"/>
+              </a:cxn>
+              <a:cxn ang="0">
+                <a:pos x="connsiteX3" y="connsiteY3"/>
+              </a:cxn>
+              <a:cxn ang="0">
+                <a:pos x="connsiteX4" y="connsiteY4"/>
+              </a:cxn>
+              <a:cxn ang="0">
+                <a:pos x="connsiteX5" y="connsiteY5"/>
+              </a:cxn>
+            </a:cxnLst>
+            <a:rect l="l" t="t" r="r" b="b"/>
+            <a:pathLst>
+              <a:path w="668215" h="624254">
+                <a:moveTo>
+                  <a:pt x="215005" y="0"/>
+                </a:moveTo>
+                <a:lnTo>
+                  <a:pt x="668215" y="0"/>
+                </a:lnTo>
+                <a:lnTo>
+                  <a:pt x="668215" y="624254"/>
+                </a:lnTo>
+                <a:lnTo>
+                  <a:pt x="215005" y="624254"/>
+                </a:lnTo>
+                <a:cubicBezTo>
+                  <a:pt x="96273" y="624254"/>
+                  <a:pt x="0" y="484520"/>
+                  <a:pt x="0" y="312127"/>
+                </a:cubicBezTo>
+                <a:cubicBezTo>
+                  <a:pt x="0" y="139735"/>
+                  <a:pt x="96273" y="0"/>
+                  <a:pt x="215005" y="0"/>
+                </a:cubicBezTo>
+                <a:close/>
+              </a:path>
+            </a:pathLst>
+          </a:custGeom>
+          <a:solidFill>
+            <a:srgbClr val="002060">
+              <a:alpha val="71000"/>
+            </a:srgbClr>
+          </a:solidFill>
+          <a:ln>
+            <a:noFill/>
+          </a:ln>
+        </p:spPr>
+        <p:style>
+          <a:lnRef idx="2">
+            <a:schemeClr val="accent1">
+              <a:shade val="50000"/>
+            </a:schemeClr>
+          </a:lnRef>
+          <a:fillRef idx="1">
+            <a:schemeClr val="accent1"/>
+          </a:fillRef>
+          <a:effectRef idx="0">
+            <a:schemeClr val="accent1"/>
+          </a:effectRef>
+          <a:fontRef idx="minor">
+            <a:schemeClr val="lt1"/>
+          </a:fontRef>
+        </p:style>
+        <p:txBody>
+          <a:bodyPr rtlCol="0" anchor="ctr"/>
+          <a:lstStyle/>
+          <a:p>
+            <a:pPr algn="ctr"/>
+            <a:endParaRPr lang="ko-KR" altLang="en-US" dirty="0"/>
           </a:p>
         </p:txBody>
       </p:sp>
